--- a/course-druid-data-modeling/druid-data-modeling-intro/videos/graphics.pptx
+++ b/course-druid-data-modeling/druid-data-modeling-intro/videos/graphics.pptx
@@ -6,17 +6,18 @@
   </p:sldMasterIdLst>
   <p:sldIdLst>
     <p:sldId id="300" r:id="rId2"/>
-    <p:sldId id="301" r:id="rId3"/>
-    <p:sldId id="302" r:id="rId4"/>
-    <p:sldId id="309" r:id="rId5"/>
-    <p:sldId id="303" r:id="rId6"/>
-    <p:sldId id="304" r:id="rId7"/>
-    <p:sldId id="308" r:id="rId8"/>
-    <p:sldId id="305" r:id="rId9"/>
-    <p:sldId id="306" r:id="rId10"/>
-    <p:sldId id="307" r:id="rId11"/>
-    <p:sldId id="310" r:id="rId12"/>
-    <p:sldId id="311" r:id="rId13"/>
+    <p:sldId id="312" r:id="rId3"/>
+    <p:sldId id="301" r:id="rId4"/>
+    <p:sldId id="302" r:id="rId5"/>
+    <p:sldId id="309" r:id="rId6"/>
+    <p:sldId id="303" r:id="rId7"/>
+    <p:sldId id="304" r:id="rId8"/>
+    <p:sldId id="308" r:id="rId9"/>
+    <p:sldId id="305" r:id="rId10"/>
+    <p:sldId id="306" r:id="rId11"/>
+    <p:sldId id="307" r:id="rId12"/>
+    <p:sldId id="310" r:id="rId13"/>
+    <p:sldId id="311" r:id="rId14"/>
   </p:sldIdLst>
   <p:sldSz cx="12192000" cy="6858000"/>
   <p:notesSz cx="6858000" cy="9144000"/>
@@ -270,7 +271,7 @@
           <a:p>
             <a:fld id="{55E928B8-AC51-3045-93CE-F0178DE453E6}" type="datetimeFigureOut">
               <a:rPr lang="en-US" smtClean="0"/>
-              <a:t>3/9/22</a:t>
+              <a:t>4/14/22</a:t>
             </a:fld>
             <a:endParaRPr lang="en-US"/>
           </a:p>
@@ -468,7 +469,7 @@
           <a:p>
             <a:fld id="{55E928B8-AC51-3045-93CE-F0178DE453E6}" type="datetimeFigureOut">
               <a:rPr lang="en-US" smtClean="0"/>
-              <a:t>3/9/22</a:t>
+              <a:t>4/14/22</a:t>
             </a:fld>
             <a:endParaRPr lang="en-US"/>
           </a:p>
@@ -676,7 +677,7 @@
           <a:p>
             <a:fld id="{55E928B8-AC51-3045-93CE-F0178DE453E6}" type="datetimeFigureOut">
               <a:rPr lang="en-US" smtClean="0"/>
-              <a:t>3/9/22</a:t>
+              <a:t>4/14/22</a:t>
             </a:fld>
             <a:endParaRPr lang="en-US"/>
           </a:p>
@@ -874,7 +875,7 @@
           <a:p>
             <a:fld id="{55E928B8-AC51-3045-93CE-F0178DE453E6}" type="datetimeFigureOut">
               <a:rPr lang="en-US" smtClean="0"/>
-              <a:t>3/9/22</a:t>
+              <a:t>4/14/22</a:t>
             </a:fld>
             <a:endParaRPr lang="en-US"/>
           </a:p>
@@ -1149,7 +1150,7 @@
           <a:p>
             <a:fld id="{55E928B8-AC51-3045-93CE-F0178DE453E6}" type="datetimeFigureOut">
               <a:rPr lang="en-US" smtClean="0"/>
-              <a:t>3/9/22</a:t>
+              <a:t>4/14/22</a:t>
             </a:fld>
             <a:endParaRPr lang="en-US"/>
           </a:p>
@@ -1414,7 +1415,7 @@
           <a:p>
             <a:fld id="{55E928B8-AC51-3045-93CE-F0178DE453E6}" type="datetimeFigureOut">
               <a:rPr lang="en-US" smtClean="0"/>
-              <a:t>3/9/22</a:t>
+              <a:t>4/14/22</a:t>
             </a:fld>
             <a:endParaRPr lang="en-US"/>
           </a:p>
@@ -1826,7 +1827,7 @@
           <a:p>
             <a:fld id="{55E928B8-AC51-3045-93CE-F0178DE453E6}" type="datetimeFigureOut">
               <a:rPr lang="en-US" smtClean="0"/>
-              <a:t>3/9/22</a:t>
+              <a:t>4/14/22</a:t>
             </a:fld>
             <a:endParaRPr lang="en-US"/>
           </a:p>
@@ -1967,7 +1968,7 @@
           <a:p>
             <a:fld id="{55E928B8-AC51-3045-93CE-F0178DE453E6}" type="datetimeFigureOut">
               <a:rPr lang="en-US" smtClean="0"/>
-              <a:t>3/9/22</a:t>
+              <a:t>4/14/22</a:t>
             </a:fld>
             <a:endParaRPr lang="en-US"/>
           </a:p>
@@ -2080,7 +2081,7 @@
           <a:p>
             <a:fld id="{55E928B8-AC51-3045-93CE-F0178DE453E6}" type="datetimeFigureOut">
               <a:rPr lang="en-US" smtClean="0"/>
-              <a:t>3/9/22</a:t>
+              <a:t>4/14/22</a:t>
             </a:fld>
             <a:endParaRPr lang="en-US"/>
           </a:p>
@@ -2391,7 +2392,7 @@
           <a:p>
             <a:fld id="{55E928B8-AC51-3045-93CE-F0178DE453E6}" type="datetimeFigureOut">
               <a:rPr lang="en-US" smtClean="0"/>
-              <a:t>3/9/22</a:t>
+              <a:t>4/14/22</a:t>
             </a:fld>
             <a:endParaRPr lang="en-US"/>
           </a:p>
@@ -2679,7 +2680,7 @@
           <a:p>
             <a:fld id="{55E928B8-AC51-3045-93CE-F0178DE453E6}" type="datetimeFigureOut">
               <a:rPr lang="en-US" smtClean="0"/>
-              <a:t>3/9/22</a:t>
+              <a:t>4/14/22</a:t>
             </a:fld>
             <a:endParaRPr lang="en-US"/>
           </a:p>
@@ -2920,7 +2921,7 @@
           <a:p>
             <a:fld id="{55E928B8-AC51-3045-93CE-F0178DE453E6}" type="datetimeFigureOut">
               <a:rPr lang="en-US" smtClean="0"/>
-              <a:t>3/9/22</a:t>
+              <a:t>4/14/22</a:t>
             </a:fld>
             <a:endParaRPr lang="en-US"/>
           </a:p>
@@ -3525,6 +3526,297 @@
       </p:grpSpPr>
       <p:pic>
         <p:nvPicPr>
+          <p:cNvPr id="2050" name="Picture 2" descr="Silhouette, Wheel, Cyclist, Bike, Seated, Active, Man">
+            <a:extLst>
+              <a:ext uri="{FF2B5EF4-FFF2-40B4-BE49-F238E27FC236}">
+                <a16:creationId xmlns:a16="http://schemas.microsoft.com/office/drawing/2014/main" id="{C3791E7C-DEA2-0743-B16D-553FFE372D6E}"/>
+              </a:ext>
+            </a:extLst>
+          </p:cNvPr>
+          <p:cNvPicPr>
+            <a:picLocks noChangeAspect="1" noChangeArrowheads="1"/>
+          </p:cNvPicPr>
+          <p:nvPr/>
+        </p:nvPicPr>
+        <p:blipFill>
+          <a:blip r:embed="rId2">
+            <a:extLst>
+              <a:ext uri="{28A0092B-C50C-407E-A947-70E740481C1C}">
+                <a14:useLocalDpi xmlns:a14="http://schemas.microsoft.com/office/drawing/2010/main" val="0"/>
+              </a:ext>
+            </a:extLst>
+          </a:blip>
+          <a:srcRect/>
+          <a:stretch>
+            <a:fillRect/>
+          </a:stretch>
+        </p:blipFill>
+        <p:spPr bwMode="auto">
+          <a:xfrm>
+            <a:off x="369545" y="0"/>
+            <a:ext cx="6905625" cy="6858000"/>
+          </a:xfrm>
+          <a:prstGeom prst="rect">
+            <a:avLst/>
+          </a:prstGeom>
+          <a:noFill/>
+          <a:extLst>
+            <a:ext uri="{909E8E84-426E-40DD-AFC4-6F175D3DCCD1}">
+              <a14:hiddenFill xmlns:a14="http://schemas.microsoft.com/office/drawing/2010/main">
+                <a:solidFill>
+                  <a:srgbClr val="FFFFFF"/>
+                </a:solidFill>
+              </a14:hiddenFill>
+            </a:ext>
+          </a:extLst>
+        </p:spPr>
+      </p:pic>
+      <p:grpSp>
+        <p:nvGrpSpPr>
+          <p:cNvPr id="4" name="Group 3">
+            <a:extLst>
+              <a:ext uri="{FF2B5EF4-FFF2-40B4-BE49-F238E27FC236}">
+                <a16:creationId xmlns:a16="http://schemas.microsoft.com/office/drawing/2014/main" id="{AC80E80C-F2F1-7442-A3FC-83358EE076AF}"/>
+              </a:ext>
+            </a:extLst>
+          </p:cNvPr>
+          <p:cNvGrpSpPr/>
+          <p:nvPr/>
+        </p:nvGrpSpPr>
+        <p:grpSpPr>
+          <a:xfrm>
+            <a:off x="8012327" y="636888"/>
+            <a:ext cx="3277629" cy="3162300"/>
+            <a:chOff x="8012327" y="636888"/>
+            <a:chExt cx="3277629" cy="3162300"/>
+          </a:xfrm>
+        </p:grpSpPr>
+        <p:pic>
+          <p:nvPicPr>
+            <p:cNvPr id="2" name="Picture 1">
+              <a:extLst>
+                <a:ext uri="{FF2B5EF4-FFF2-40B4-BE49-F238E27FC236}">
+                  <a16:creationId xmlns:a16="http://schemas.microsoft.com/office/drawing/2014/main" id="{8C6B17D3-E156-2D43-B10D-75030BA68A03}"/>
+                </a:ext>
+              </a:extLst>
+            </p:cNvPr>
+            <p:cNvPicPr>
+              <a:picLocks noChangeAspect="1"/>
+            </p:cNvPicPr>
+            <p:nvPr/>
+          </p:nvPicPr>
+          <p:blipFill>
+            <a:blip r:embed="rId3"/>
+            <a:stretch>
+              <a:fillRect/>
+            </a:stretch>
+          </p:blipFill>
+          <p:spPr>
+            <a:xfrm>
+              <a:off x="8012327" y="636888"/>
+              <a:ext cx="1752600" cy="3162300"/>
+            </a:xfrm>
+            <a:prstGeom prst="rect">
+              <a:avLst/>
+            </a:prstGeom>
+          </p:spPr>
+        </p:pic>
+        <p:pic>
+          <p:nvPicPr>
+            <p:cNvPr id="3" name="Picture 2">
+              <a:extLst>
+                <a:ext uri="{FF2B5EF4-FFF2-40B4-BE49-F238E27FC236}">
+                  <a16:creationId xmlns:a16="http://schemas.microsoft.com/office/drawing/2014/main" id="{508744DE-59A5-DE4C-9111-5CD09C5DF63F}"/>
+                </a:ext>
+              </a:extLst>
+            </p:cNvPr>
+            <p:cNvPicPr>
+              <a:picLocks noChangeAspect="1"/>
+            </p:cNvPicPr>
+            <p:nvPr/>
+          </p:nvPicPr>
+          <p:blipFill>
+            <a:blip r:embed="rId4"/>
+            <a:stretch>
+              <a:fillRect/>
+            </a:stretch>
+          </p:blipFill>
+          <p:spPr>
+            <a:xfrm>
+              <a:off x="9727856" y="655595"/>
+              <a:ext cx="1562100" cy="3143593"/>
+            </a:xfrm>
+            <a:prstGeom prst="rect">
+              <a:avLst/>
+            </a:prstGeom>
+          </p:spPr>
+        </p:pic>
+      </p:grpSp>
+      <p:grpSp>
+        <p:nvGrpSpPr>
+          <p:cNvPr id="8" name="Group 7">
+            <a:extLst>
+              <a:ext uri="{FF2B5EF4-FFF2-40B4-BE49-F238E27FC236}">
+                <a16:creationId xmlns:a16="http://schemas.microsoft.com/office/drawing/2014/main" id="{915DB829-A2E5-0340-AFC7-E551EA0A0543}"/>
+              </a:ext>
+            </a:extLst>
+          </p:cNvPr>
+          <p:cNvGrpSpPr/>
+          <p:nvPr/>
+        </p:nvGrpSpPr>
+        <p:grpSpPr>
+          <a:xfrm>
+            <a:off x="8353168" y="3960855"/>
+            <a:ext cx="3238843" cy="3162300"/>
+            <a:chOff x="8353168" y="3960855"/>
+            <a:chExt cx="3238843" cy="3162300"/>
+          </a:xfrm>
+        </p:grpSpPr>
+        <p:pic>
+          <p:nvPicPr>
+            <p:cNvPr id="5" name="Picture 4">
+              <a:extLst>
+                <a:ext uri="{FF2B5EF4-FFF2-40B4-BE49-F238E27FC236}">
+                  <a16:creationId xmlns:a16="http://schemas.microsoft.com/office/drawing/2014/main" id="{161BD6C1-06BF-EF4D-8287-DA922FACF232}"/>
+                </a:ext>
+              </a:extLst>
+            </p:cNvPr>
+            <p:cNvPicPr>
+              <a:picLocks noChangeAspect="1"/>
+            </p:cNvPicPr>
+            <p:nvPr/>
+          </p:nvPicPr>
+          <p:blipFill>
+            <a:blip r:embed="rId5"/>
+            <a:stretch>
+              <a:fillRect/>
+            </a:stretch>
+          </p:blipFill>
+          <p:spPr>
+            <a:xfrm>
+              <a:off x="9966411" y="3960855"/>
+              <a:ext cx="1625600" cy="3162300"/>
+            </a:xfrm>
+            <a:prstGeom prst="rect">
+              <a:avLst/>
+            </a:prstGeom>
+          </p:spPr>
+        </p:pic>
+        <p:pic>
+          <p:nvPicPr>
+            <p:cNvPr id="7" name="Picture 6">
+              <a:extLst>
+                <a:ext uri="{FF2B5EF4-FFF2-40B4-BE49-F238E27FC236}">
+                  <a16:creationId xmlns:a16="http://schemas.microsoft.com/office/drawing/2014/main" id="{CC4E00D4-BC63-884B-B4BD-C57947810766}"/>
+                </a:ext>
+              </a:extLst>
+            </p:cNvPr>
+            <p:cNvPicPr>
+              <a:picLocks noChangeAspect="1"/>
+            </p:cNvPicPr>
+            <p:nvPr/>
+          </p:nvPicPr>
+          <p:blipFill>
+            <a:blip r:embed="rId5"/>
+            <a:stretch>
+              <a:fillRect/>
+            </a:stretch>
+          </p:blipFill>
+          <p:spPr>
+            <a:xfrm rot="10800000">
+              <a:off x="8353168" y="3960855"/>
+              <a:ext cx="1625600" cy="3162300"/>
+            </a:xfrm>
+            <a:prstGeom prst="rect">
+              <a:avLst/>
+            </a:prstGeom>
+          </p:spPr>
+        </p:pic>
+        <p:sp>
+          <p:nvSpPr>
+            <p:cNvPr id="6" name="Oval 5">
+              <a:extLst>
+                <a:ext uri="{FF2B5EF4-FFF2-40B4-BE49-F238E27FC236}">
+                  <a16:creationId xmlns:a16="http://schemas.microsoft.com/office/drawing/2014/main" id="{D6216951-F4BB-EE47-8B60-3548ED38BCEC}"/>
+                </a:ext>
+              </a:extLst>
+            </p:cNvPr>
+            <p:cNvSpPr/>
+            <p:nvPr/>
+          </p:nvSpPr>
+          <p:spPr>
+            <a:xfrm>
+              <a:off x="9764927" y="5313405"/>
+              <a:ext cx="457200" cy="457200"/>
+            </a:xfrm>
+            <a:prstGeom prst="ellipse">
+              <a:avLst/>
+            </a:prstGeom>
+            <a:solidFill>
+              <a:schemeClr val="tx1"/>
+            </a:solidFill>
+            <a:ln>
+              <a:noFill/>
+            </a:ln>
+          </p:spPr>
+          <p:style>
+            <a:lnRef idx="2">
+              <a:schemeClr val="accent1">
+                <a:shade val="50000"/>
+              </a:schemeClr>
+            </a:lnRef>
+            <a:fillRef idx="1">
+              <a:schemeClr val="accent1"/>
+            </a:fillRef>
+            <a:effectRef idx="0">
+              <a:schemeClr val="accent1"/>
+            </a:effectRef>
+            <a:fontRef idx="minor">
+              <a:schemeClr val="lt1"/>
+            </a:fontRef>
+          </p:style>
+          <p:txBody>
+            <a:bodyPr rtlCol="0" anchor="ctr"/>
+            <a:lstStyle/>
+            <a:p>
+              <a:pPr algn="ctr"/>
+              <a:endParaRPr lang="en-US"/>
+            </a:p>
+          </p:txBody>
+        </p:sp>
+      </p:grpSp>
+    </p:spTree>
+    <p:extLst>
+      <p:ext uri="{BB962C8B-B14F-4D97-AF65-F5344CB8AC3E}">
+        <p14:creationId xmlns:p14="http://schemas.microsoft.com/office/powerpoint/2010/main" val="1856903639"/>
+      </p:ext>
+    </p:extLst>
+  </p:cSld>
+  <p:clrMapOvr>
+    <a:masterClrMapping/>
+  </p:clrMapOvr>
+</p:sld>
+</file>
+
+<file path=ppt/slides/slide11.xml><?xml version="1.0" encoding="utf-8"?>
+<p:sld xmlns:a="http://schemas.openxmlformats.org/drawingml/2006/main" xmlns:r="http://schemas.openxmlformats.org/officeDocument/2006/relationships" xmlns:p="http://schemas.openxmlformats.org/presentationml/2006/main">
+  <p:cSld>
+    <p:spTree>
+      <p:nvGrpSpPr>
+        <p:cNvPr id="1" name=""/>
+        <p:cNvGrpSpPr/>
+        <p:nvPr/>
+      </p:nvGrpSpPr>
+      <p:grpSpPr>
+        <a:xfrm>
+          <a:off x="0" y="0"/>
+          <a:ext cx="0" cy="0"/>
+          <a:chOff x="0" y="0"/>
+          <a:chExt cx="0" cy="0"/>
+        </a:xfrm>
+      </p:grpSpPr>
+      <p:pic>
+        <p:nvPicPr>
           <p:cNvPr id="2" name="Picture 1">
             <a:extLst>
               <a:ext uri="{FF2B5EF4-FFF2-40B4-BE49-F238E27FC236}">
@@ -4043,7 +4335,7 @@
 </p:sld>
 </file>
 
-<file path=ppt/slides/slide11.xml><?xml version="1.0" encoding="utf-8"?>
+<file path=ppt/slides/slide12.xml><?xml version="1.0" encoding="utf-8"?>
 <p:sld xmlns:a="http://schemas.openxmlformats.org/drawingml/2006/main" xmlns:r="http://schemas.openxmlformats.org/officeDocument/2006/relationships" xmlns:p="http://schemas.openxmlformats.org/presentationml/2006/main">
   <p:cSld>
     <p:spTree>
@@ -4244,7 +4536,7 @@
 </p:sld>
 </file>
 
-<file path=ppt/slides/slide12.xml><?xml version="1.0" encoding="utf-8"?>
+<file path=ppt/slides/slide13.xml><?xml version="1.0" encoding="utf-8"?>
 <p:sld xmlns:a="http://schemas.openxmlformats.org/drawingml/2006/main" xmlns:r="http://schemas.openxmlformats.org/officeDocument/2006/relationships" xmlns:p="http://schemas.openxmlformats.org/presentationml/2006/main">
   <p:cSld>
     <p:spTree>
@@ -4405,6 +4697,192 @@
       </p:grpSpPr>
       <p:pic>
         <p:nvPicPr>
+          <p:cNvPr id="2" name="Picture 1">
+            <a:extLst>
+              <a:ext uri="{FF2B5EF4-FFF2-40B4-BE49-F238E27FC236}">
+                <a16:creationId xmlns:a16="http://schemas.microsoft.com/office/drawing/2014/main" id="{3600CF16-B76D-7B40-BC85-6B96B936FD45}"/>
+              </a:ext>
+            </a:extLst>
+          </p:cNvPr>
+          <p:cNvPicPr>
+            <a:picLocks noChangeAspect="1"/>
+          </p:cNvPicPr>
+          <p:nvPr/>
+        </p:nvPicPr>
+        <p:blipFill>
+          <a:blip r:embed="rId2"/>
+          <a:stretch>
+            <a:fillRect/>
+          </a:stretch>
+        </p:blipFill>
+        <p:spPr>
+          <a:xfrm>
+            <a:off x="3251200" y="1377950"/>
+            <a:ext cx="5689600" cy="4102100"/>
+          </a:xfrm>
+          <a:prstGeom prst="rect">
+            <a:avLst/>
+          </a:prstGeom>
+        </p:spPr>
+      </p:pic>
+      <p:sp>
+        <p:nvSpPr>
+          <p:cNvPr id="3" name="Rounded Rectangular Callout 2">
+            <a:extLst>
+              <a:ext uri="{FF2B5EF4-FFF2-40B4-BE49-F238E27FC236}">
+                <a16:creationId xmlns:a16="http://schemas.microsoft.com/office/drawing/2014/main" id="{EE3B29A8-6269-2047-98F4-501A516A0C2C}"/>
+              </a:ext>
+            </a:extLst>
+          </p:cNvPr>
+          <p:cNvSpPr/>
+          <p:nvPr/>
+        </p:nvSpPr>
+        <p:spPr>
+          <a:xfrm>
+            <a:off x="5883965" y="616226"/>
+            <a:ext cx="1470991" cy="636104"/>
+          </a:xfrm>
+          <a:prstGeom prst="wedgeRoundRectCallout">
+            <a:avLst>
+              <a:gd name="adj1" fmla="val 117566"/>
+              <a:gd name="adj2" fmla="val 203914"/>
+              <a:gd name="adj3" fmla="val 16667"/>
+            </a:avLst>
+          </a:prstGeom>
+          <a:solidFill>
+            <a:srgbClr val="29EEF8"/>
+          </a:solidFill>
+          <a:ln>
+            <a:noFill/>
+          </a:ln>
+        </p:spPr>
+        <p:style>
+          <a:lnRef idx="2">
+            <a:schemeClr val="accent1">
+              <a:shade val="50000"/>
+            </a:schemeClr>
+          </a:lnRef>
+          <a:fillRef idx="1">
+            <a:schemeClr val="accent1"/>
+          </a:fillRef>
+          <a:effectRef idx="0">
+            <a:schemeClr val="accent1"/>
+          </a:effectRef>
+          <a:fontRef idx="minor">
+            <a:schemeClr val="lt1"/>
+          </a:fontRef>
+        </p:style>
+        <p:txBody>
+          <a:bodyPr rtlCol="0" anchor="ctr"/>
+          <a:lstStyle/>
+          <a:p>
+            <a:pPr algn="ctr"/>
+            <a:r>
+              <a:rPr lang="en-US" dirty="0">
+                <a:solidFill>
+                  <a:schemeClr val="tx1"/>
+                </a:solidFill>
+              </a:rPr>
+              <a:t>Click here to save the file</a:t>
+            </a:r>
+          </a:p>
+        </p:txBody>
+      </p:sp>
+      <p:sp>
+        <p:nvSpPr>
+          <p:cNvPr id="4" name="Rounded Rectangular Callout 3">
+            <a:extLst>
+              <a:ext uri="{FF2B5EF4-FFF2-40B4-BE49-F238E27FC236}">
+                <a16:creationId xmlns:a16="http://schemas.microsoft.com/office/drawing/2014/main" id="{69D19B8F-830D-C141-9723-52BC7D6975AE}"/>
+              </a:ext>
+            </a:extLst>
+          </p:cNvPr>
+          <p:cNvSpPr/>
+          <p:nvPr/>
+        </p:nvSpPr>
+        <p:spPr>
+          <a:xfrm>
+            <a:off x="7459870" y="616226"/>
+            <a:ext cx="1644374" cy="864704"/>
+          </a:xfrm>
+          <a:prstGeom prst="wedgeRoundRectCallout">
+            <a:avLst>
+              <a:gd name="adj1" fmla="val 26244"/>
+              <a:gd name="adj2" fmla="val 135793"/>
+              <a:gd name="adj3" fmla="val 16667"/>
+            </a:avLst>
+          </a:prstGeom>
+          <a:solidFill>
+            <a:srgbClr val="29EEF8"/>
+          </a:solidFill>
+          <a:ln>
+            <a:noFill/>
+          </a:ln>
+        </p:spPr>
+        <p:style>
+          <a:lnRef idx="2">
+            <a:schemeClr val="accent1">
+              <a:shade val="50000"/>
+            </a:schemeClr>
+          </a:lnRef>
+          <a:fillRef idx="1">
+            <a:schemeClr val="accent1"/>
+          </a:fillRef>
+          <a:effectRef idx="0">
+            <a:schemeClr val="accent1"/>
+          </a:effectRef>
+          <a:fontRef idx="minor">
+            <a:schemeClr val="lt1"/>
+          </a:fontRef>
+        </p:style>
+        <p:txBody>
+          <a:bodyPr rtlCol="0" anchor="ctr"/>
+          <a:lstStyle/>
+          <a:p>
+            <a:pPr algn="ctr"/>
+            <a:r>
+              <a:rPr lang="en-US" dirty="0">
+                <a:solidFill>
+                  <a:schemeClr val="tx1"/>
+                </a:solidFill>
+              </a:rPr>
+              <a:t>The blue dot means file is not yet saved</a:t>
+            </a:r>
+          </a:p>
+        </p:txBody>
+      </p:sp>
+    </p:spTree>
+    <p:extLst>
+      <p:ext uri="{BB962C8B-B14F-4D97-AF65-F5344CB8AC3E}">
+        <p14:creationId xmlns:p14="http://schemas.microsoft.com/office/powerpoint/2010/main" val="3747173638"/>
+      </p:ext>
+    </p:extLst>
+  </p:cSld>
+  <p:clrMapOvr>
+    <a:masterClrMapping/>
+  </p:clrMapOvr>
+</p:sld>
+</file>
+
+<file path=ppt/slides/slide3.xml><?xml version="1.0" encoding="utf-8"?>
+<p:sld xmlns:a="http://schemas.openxmlformats.org/drawingml/2006/main" xmlns:r="http://schemas.openxmlformats.org/officeDocument/2006/relationships" xmlns:p="http://schemas.openxmlformats.org/presentationml/2006/main">
+  <p:cSld>
+    <p:spTree>
+      <p:nvGrpSpPr>
+        <p:cNvPr id="1" name=""/>
+        <p:cNvGrpSpPr/>
+        <p:nvPr/>
+      </p:nvGrpSpPr>
+      <p:grpSpPr>
+        <a:xfrm>
+          <a:off x="0" y="0"/>
+          <a:ext cx="0" cy="0"/>
+          <a:chOff x="0" y="0"/>
+          <a:chExt cx="0" cy="0"/>
+        </a:xfrm>
+      </p:grpSpPr>
+      <p:pic>
+        <p:nvPicPr>
           <p:cNvPr id="1026" name="Picture 2" descr="Container, Port, Load, Transport, Industry, Export">
             <a:extLst>
               <a:ext uri="{FF2B5EF4-FFF2-40B4-BE49-F238E27FC236}">
@@ -4498,7 +4976,7 @@
 </p:sld>
 </file>
 
-<file path=ppt/slides/slide3.xml><?xml version="1.0" encoding="utf-8"?>
+<file path=ppt/slides/slide4.xml><?xml version="1.0" encoding="utf-8"?>
 <p:sld xmlns:a="http://schemas.openxmlformats.org/drawingml/2006/main" xmlns:r="http://schemas.openxmlformats.org/officeDocument/2006/relationships" xmlns:p="http://schemas.openxmlformats.org/presentationml/2006/main">
   <p:cSld>
     <p:spTree>
@@ -5063,7 +5541,7 @@
 </p:sld>
 </file>
 
-<file path=ppt/slides/slide4.xml><?xml version="1.0" encoding="utf-8"?>
+<file path=ppt/slides/slide5.xml><?xml version="1.0" encoding="utf-8"?>
 <p:sld xmlns:a="http://schemas.openxmlformats.org/drawingml/2006/main" xmlns:r="http://schemas.openxmlformats.org/officeDocument/2006/relationships" xmlns:p="http://schemas.openxmlformats.org/presentationml/2006/main">
   <p:cSld>
     <p:spTree>
@@ -5556,7 +6034,7 @@
 </p:sld>
 </file>
 
-<file path=ppt/slides/slide5.xml><?xml version="1.0" encoding="utf-8"?>
+<file path=ppt/slides/slide6.xml><?xml version="1.0" encoding="utf-8"?>
 <p:sld xmlns:a="http://schemas.openxmlformats.org/drawingml/2006/main" xmlns:r="http://schemas.openxmlformats.org/officeDocument/2006/relationships" xmlns:p="http://schemas.openxmlformats.org/presentationml/2006/main">
   <p:cSld>
     <p:spTree>
@@ -5800,7 +6278,7 @@
 </p:sld>
 </file>
 
-<file path=ppt/slides/slide6.xml><?xml version="1.0" encoding="utf-8"?>
+<file path=ppt/slides/slide7.xml><?xml version="1.0" encoding="utf-8"?>
 <p:sld xmlns:a="http://schemas.openxmlformats.org/drawingml/2006/main" xmlns:r="http://schemas.openxmlformats.org/officeDocument/2006/relationships" xmlns:p="http://schemas.openxmlformats.org/presentationml/2006/main">
   <p:cSld>
     <p:spTree>
@@ -6229,7 +6707,7 @@
 </p:sld>
 </file>
 
-<file path=ppt/slides/slide7.xml><?xml version="1.0" encoding="utf-8"?>
+<file path=ppt/slides/slide8.xml><?xml version="1.0" encoding="utf-8"?>
 <p:sld xmlns:a="http://schemas.openxmlformats.org/drawingml/2006/main" xmlns:r="http://schemas.openxmlformats.org/officeDocument/2006/relationships" xmlns:p="http://schemas.openxmlformats.org/presentationml/2006/main">
   <p:cSld>
     <p:spTree>
@@ -6642,7 +7120,7 @@
 </p:sld>
 </file>
 
-<file path=ppt/slides/slide8.xml><?xml version="1.0" encoding="utf-8"?>
+<file path=ppt/slides/slide9.xml><?xml version="1.0" encoding="utf-8"?>
 <p:sld xmlns:a="http://schemas.openxmlformats.org/drawingml/2006/main" xmlns:r="http://schemas.openxmlformats.org/officeDocument/2006/relationships" xmlns:p="http://schemas.openxmlformats.org/presentationml/2006/main">
   <p:cSld>
     <p:spTree>
@@ -6933,297 +7411,6 @@
     <p:extLst>
       <p:ext uri="{BB962C8B-B14F-4D97-AF65-F5344CB8AC3E}">
         <p14:creationId xmlns:p14="http://schemas.microsoft.com/office/powerpoint/2010/main" val="1543925652"/>
-      </p:ext>
-    </p:extLst>
-  </p:cSld>
-  <p:clrMapOvr>
-    <a:masterClrMapping/>
-  </p:clrMapOvr>
-</p:sld>
-</file>
-
-<file path=ppt/slides/slide9.xml><?xml version="1.0" encoding="utf-8"?>
-<p:sld xmlns:a="http://schemas.openxmlformats.org/drawingml/2006/main" xmlns:r="http://schemas.openxmlformats.org/officeDocument/2006/relationships" xmlns:p="http://schemas.openxmlformats.org/presentationml/2006/main">
-  <p:cSld>
-    <p:spTree>
-      <p:nvGrpSpPr>
-        <p:cNvPr id="1" name=""/>
-        <p:cNvGrpSpPr/>
-        <p:nvPr/>
-      </p:nvGrpSpPr>
-      <p:grpSpPr>
-        <a:xfrm>
-          <a:off x="0" y="0"/>
-          <a:ext cx="0" cy="0"/>
-          <a:chOff x="0" y="0"/>
-          <a:chExt cx="0" cy="0"/>
-        </a:xfrm>
-      </p:grpSpPr>
-      <p:pic>
-        <p:nvPicPr>
-          <p:cNvPr id="2050" name="Picture 2" descr="Silhouette, Wheel, Cyclist, Bike, Seated, Active, Man">
-            <a:extLst>
-              <a:ext uri="{FF2B5EF4-FFF2-40B4-BE49-F238E27FC236}">
-                <a16:creationId xmlns:a16="http://schemas.microsoft.com/office/drawing/2014/main" id="{C3791E7C-DEA2-0743-B16D-553FFE372D6E}"/>
-              </a:ext>
-            </a:extLst>
-          </p:cNvPr>
-          <p:cNvPicPr>
-            <a:picLocks noChangeAspect="1" noChangeArrowheads="1"/>
-          </p:cNvPicPr>
-          <p:nvPr/>
-        </p:nvPicPr>
-        <p:blipFill>
-          <a:blip r:embed="rId2">
-            <a:extLst>
-              <a:ext uri="{28A0092B-C50C-407E-A947-70E740481C1C}">
-                <a14:useLocalDpi xmlns:a14="http://schemas.microsoft.com/office/drawing/2010/main" val="0"/>
-              </a:ext>
-            </a:extLst>
-          </a:blip>
-          <a:srcRect/>
-          <a:stretch>
-            <a:fillRect/>
-          </a:stretch>
-        </p:blipFill>
-        <p:spPr bwMode="auto">
-          <a:xfrm>
-            <a:off x="369545" y="0"/>
-            <a:ext cx="6905625" cy="6858000"/>
-          </a:xfrm>
-          <a:prstGeom prst="rect">
-            <a:avLst/>
-          </a:prstGeom>
-          <a:noFill/>
-          <a:extLst>
-            <a:ext uri="{909E8E84-426E-40DD-AFC4-6F175D3DCCD1}">
-              <a14:hiddenFill xmlns:a14="http://schemas.microsoft.com/office/drawing/2010/main">
-                <a:solidFill>
-                  <a:srgbClr val="FFFFFF"/>
-                </a:solidFill>
-              </a14:hiddenFill>
-            </a:ext>
-          </a:extLst>
-        </p:spPr>
-      </p:pic>
-      <p:grpSp>
-        <p:nvGrpSpPr>
-          <p:cNvPr id="4" name="Group 3">
-            <a:extLst>
-              <a:ext uri="{FF2B5EF4-FFF2-40B4-BE49-F238E27FC236}">
-                <a16:creationId xmlns:a16="http://schemas.microsoft.com/office/drawing/2014/main" id="{AC80E80C-F2F1-7442-A3FC-83358EE076AF}"/>
-              </a:ext>
-            </a:extLst>
-          </p:cNvPr>
-          <p:cNvGrpSpPr/>
-          <p:nvPr/>
-        </p:nvGrpSpPr>
-        <p:grpSpPr>
-          <a:xfrm>
-            <a:off x="8012327" y="636888"/>
-            <a:ext cx="3277629" cy="3162300"/>
-            <a:chOff x="8012327" y="636888"/>
-            <a:chExt cx="3277629" cy="3162300"/>
-          </a:xfrm>
-        </p:grpSpPr>
-        <p:pic>
-          <p:nvPicPr>
-            <p:cNvPr id="2" name="Picture 1">
-              <a:extLst>
-                <a:ext uri="{FF2B5EF4-FFF2-40B4-BE49-F238E27FC236}">
-                  <a16:creationId xmlns:a16="http://schemas.microsoft.com/office/drawing/2014/main" id="{8C6B17D3-E156-2D43-B10D-75030BA68A03}"/>
-                </a:ext>
-              </a:extLst>
-            </p:cNvPr>
-            <p:cNvPicPr>
-              <a:picLocks noChangeAspect="1"/>
-            </p:cNvPicPr>
-            <p:nvPr/>
-          </p:nvPicPr>
-          <p:blipFill>
-            <a:blip r:embed="rId3"/>
-            <a:stretch>
-              <a:fillRect/>
-            </a:stretch>
-          </p:blipFill>
-          <p:spPr>
-            <a:xfrm>
-              <a:off x="8012327" y="636888"/>
-              <a:ext cx="1752600" cy="3162300"/>
-            </a:xfrm>
-            <a:prstGeom prst="rect">
-              <a:avLst/>
-            </a:prstGeom>
-          </p:spPr>
-        </p:pic>
-        <p:pic>
-          <p:nvPicPr>
-            <p:cNvPr id="3" name="Picture 2">
-              <a:extLst>
-                <a:ext uri="{FF2B5EF4-FFF2-40B4-BE49-F238E27FC236}">
-                  <a16:creationId xmlns:a16="http://schemas.microsoft.com/office/drawing/2014/main" id="{508744DE-59A5-DE4C-9111-5CD09C5DF63F}"/>
-                </a:ext>
-              </a:extLst>
-            </p:cNvPr>
-            <p:cNvPicPr>
-              <a:picLocks noChangeAspect="1"/>
-            </p:cNvPicPr>
-            <p:nvPr/>
-          </p:nvPicPr>
-          <p:blipFill>
-            <a:blip r:embed="rId4"/>
-            <a:stretch>
-              <a:fillRect/>
-            </a:stretch>
-          </p:blipFill>
-          <p:spPr>
-            <a:xfrm>
-              <a:off x="9727856" y="655595"/>
-              <a:ext cx="1562100" cy="3143593"/>
-            </a:xfrm>
-            <a:prstGeom prst="rect">
-              <a:avLst/>
-            </a:prstGeom>
-          </p:spPr>
-        </p:pic>
-      </p:grpSp>
-      <p:grpSp>
-        <p:nvGrpSpPr>
-          <p:cNvPr id="8" name="Group 7">
-            <a:extLst>
-              <a:ext uri="{FF2B5EF4-FFF2-40B4-BE49-F238E27FC236}">
-                <a16:creationId xmlns:a16="http://schemas.microsoft.com/office/drawing/2014/main" id="{915DB829-A2E5-0340-AFC7-E551EA0A0543}"/>
-              </a:ext>
-            </a:extLst>
-          </p:cNvPr>
-          <p:cNvGrpSpPr/>
-          <p:nvPr/>
-        </p:nvGrpSpPr>
-        <p:grpSpPr>
-          <a:xfrm>
-            <a:off x="8353168" y="3960855"/>
-            <a:ext cx="3238843" cy="3162300"/>
-            <a:chOff x="8353168" y="3960855"/>
-            <a:chExt cx="3238843" cy="3162300"/>
-          </a:xfrm>
-        </p:grpSpPr>
-        <p:pic>
-          <p:nvPicPr>
-            <p:cNvPr id="5" name="Picture 4">
-              <a:extLst>
-                <a:ext uri="{FF2B5EF4-FFF2-40B4-BE49-F238E27FC236}">
-                  <a16:creationId xmlns:a16="http://schemas.microsoft.com/office/drawing/2014/main" id="{161BD6C1-06BF-EF4D-8287-DA922FACF232}"/>
-                </a:ext>
-              </a:extLst>
-            </p:cNvPr>
-            <p:cNvPicPr>
-              <a:picLocks noChangeAspect="1"/>
-            </p:cNvPicPr>
-            <p:nvPr/>
-          </p:nvPicPr>
-          <p:blipFill>
-            <a:blip r:embed="rId5"/>
-            <a:stretch>
-              <a:fillRect/>
-            </a:stretch>
-          </p:blipFill>
-          <p:spPr>
-            <a:xfrm>
-              <a:off x="9966411" y="3960855"/>
-              <a:ext cx="1625600" cy="3162300"/>
-            </a:xfrm>
-            <a:prstGeom prst="rect">
-              <a:avLst/>
-            </a:prstGeom>
-          </p:spPr>
-        </p:pic>
-        <p:pic>
-          <p:nvPicPr>
-            <p:cNvPr id="7" name="Picture 6">
-              <a:extLst>
-                <a:ext uri="{FF2B5EF4-FFF2-40B4-BE49-F238E27FC236}">
-                  <a16:creationId xmlns:a16="http://schemas.microsoft.com/office/drawing/2014/main" id="{CC4E00D4-BC63-884B-B4BD-C57947810766}"/>
-                </a:ext>
-              </a:extLst>
-            </p:cNvPr>
-            <p:cNvPicPr>
-              <a:picLocks noChangeAspect="1"/>
-            </p:cNvPicPr>
-            <p:nvPr/>
-          </p:nvPicPr>
-          <p:blipFill>
-            <a:blip r:embed="rId5"/>
-            <a:stretch>
-              <a:fillRect/>
-            </a:stretch>
-          </p:blipFill>
-          <p:spPr>
-            <a:xfrm rot="10800000">
-              <a:off x="8353168" y="3960855"/>
-              <a:ext cx="1625600" cy="3162300"/>
-            </a:xfrm>
-            <a:prstGeom prst="rect">
-              <a:avLst/>
-            </a:prstGeom>
-          </p:spPr>
-        </p:pic>
-        <p:sp>
-          <p:nvSpPr>
-            <p:cNvPr id="6" name="Oval 5">
-              <a:extLst>
-                <a:ext uri="{FF2B5EF4-FFF2-40B4-BE49-F238E27FC236}">
-                  <a16:creationId xmlns:a16="http://schemas.microsoft.com/office/drawing/2014/main" id="{D6216951-F4BB-EE47-8B60-3548ED38BCEC}"/>
-                </a:ext>
-              </a:extLst>
-            </p:cNvPr>
-            <p:cNvSpPr/>
-            <p:nvPr/>
-          </p:nvSpPr>
-          <p:spPr>
-            <a:xfrm>
-              <a:off x="9764927" y="5313405"/>
-              <a:ext cx="457200" cy="457200"/>
-            </a:xfrm>
-            <a:prstGeom prst="ellipse">
-              <a:avLst/>
-            </a:prstGeom>
-            <a:solidFill>
-              <a:schemeClr val="tx1"/>
-            </a:solidFill>
-            <a:ln>
-              <a:noFill/>
-            </a:ln>
-          </p:spPr>
-          <p:style>
-            <a:lnRef idx="2">
-              <a:schemeClr val="accent1">
-                <a:shade val="50000"/>
-              </a:schemeClr>
-            </a:lnRef>
-            <a:fillRef idx="1">
-              <a:schemeClr val="accent1"/>
-            </a:fillRef>
-            <a:effectRef idx="0">
-              <a:schemeClr val="accent1"/>
-            </a:effectRef>
-            <a:fontRef idx="minor">
-              <a:schemeClr val="lt1"/>
-            </a:fontRef>
-          </p:style>
-          <p:txBody>
-            <a:bodyPr rtlCol="0" anchor="ctr"/>
-            <a:lstStyle/>
-            <a:p>
-              <a:pPr algn="ctr"/>
-              <a:endParaRPr lang="en-US"/>
-            </a:p>
-          </p:txBody>
-        </p:sp>
-      </p:grpSp>
-    </p:spTree>
-    <p:extLst>
-      <p:ext uri="{BB962C8B-B14F-4D97-AF65-F5344CB8AC3E}">
-        <p14:creationId xmlns:p14="http://schemas.microsoft.com/office/powerpoint/2010/main" val="1856903639"/>
       </p:ext>
     </p:extLst>
   </p:cSld>
